--- a/work/Tang/Eval2_Tang.pptx
+++ b/work/Tang/Eval2_Tang.pptx
@@ -14,6 +14,10 @@
     <p:sldId id="262" r:id="rId8"/>
     <p:sldId id="263" r:id="rId9"/>
     <p:sldId id="264" r:id="rId10"/>
+    <p:sldId id="266" r:id="rId11"/>
+    <p:sldId id="265" r:id="rId12"/>
+    <p:sldId id="267" r:id="rId13"/>
+    <p:sldId id="268" r:id="rId14"/>
   </p:sldIdLst>
   <p:sldSz cx="9144000" cy="6858000" type="screen4x3"/>
   <p:notesSz cx="6858000" cy="9144000"/>
@@ -3168,6 +3172,531 @@
 </p:sld>
 </file>
 
+<file path=ppt/slides/slide10.xml><?xml version="1.0" encoding="utf-8"?>
+<p:sld xmlns:a="http://schemas.openxmlformats.org/drawingml/2006/main" xmlns:r="http://schemas.openxmlformats.org/officeDocument/2006/relationships" xmlns:p="http://schemas.openxmlformats.org/presentationml/2006/main">
+  <p:cSld>
+    <p:spTree>
+      <p:nvGrpSpPr>
+        <p:cNvPr id="1" name=""/>
+        <p:cNvGrpSpPr/>
+        <p:nvPr/>
+      </p:nvGrpSpPr>
+      <p:grpSpPr>
+        <a:xfrm>
+          <a:off x="0" y="0"/>
+          <a:ext cx="0" cy="0"/>
+          <a:chOff x="0" y="0"/>
+          <a:chExt cx="0" cy="0"/>
+        </a:xfrm>
+      </p:grpSpPr>
+      <p:sp>
+        <p:nvSpPr>
+          <p:cNvPr id="2" name="Title 1"/>
+          <p:cNvSpPr>
+            <a:spLocks noGrp="1"/>
+          </p:cNvSpPr>
+          <p:nvPr>
+            <p:ph type="title"/>
+          </p:nvPr>
+        </p:nvSpPr>
+        <p:spPr/>
+        <p:txBody>
+          <a:bodyPr/>
+          <a:lstStyle/>
+          <a:p>
+            <a:r>
+              <a:rPr lang="en-US" dirty="0" smtClean="0"/>
+              <a:t>Random Market</a:t>
+            </a:r>
+            <a:endParaRPr lang="en-US" dirty="0"/>
+          </a:p>
+        </p:txBody>
+      </p:sp>
+      <p:pic>
+        <p:nvPicPr>
+          <p:cNvPr id="4" name="Content Placeholder 3" descr="market2.png"/>
+          <p:cNvPicPr>
+            <a:picLocks noGrp="1" noChangeAspect="1"/>
+          </p:cNvPicPr>
+          <p:nvPr>
+            <p:ph idx="1"/>
+          </p:nvPr>
+        </p:nvPicPr>
+        <p:blipFill>
+          <a:blip r:embed="rId2">
+            <a:extLst>
+              <a:ext uri="{28A0092B-C50C-407E-A947-70E740481C1C}">
+                <a14:useLocalDpi xmlns:a14="http://schemas.microsoft.com/office/drawing/2010/main" val="0"/>
+              </a:ext>
+            </a:extLst>
+          </a:blip>
+          <a:srcRect l="-10610" r="-10610"/>
+          <a:stretch>
+            <a:fillRect/>
+          </a:stretch>
+        </p:blipFill>
+        <p:spPr/>
+      </p:pic>
+    </p:spTree>
+    <p:extLst>
+      <p:ext uri="{BB962C8B-B14F-4D97-AF65-F5344CB8AC3E}">
+        <p14:creationId xmlns:p14="http://schemas.microsoft.com/office/powerpoint/2010/main" val="3242337826"/>
+      </p:ext>
+    </p:extLst>
+  </p:cSld>
+  <p:clrMapOvr>
+    <a:masterClrMapping/>
+  </p:clrMapOvr>
+</p:sld>
+</file>
+
+<file path=ppt/slides/slide11.xml><?xml version="1.0" encoding="utf-8"?>
+<p:sld xmlns:a="http://schemas.openxmlformats.org/drawingml/2006/main" xmlns:r="http://schemas.openxmlformats.org/officeDocument/2006/relationships" xmlns:p="http://schemas.openxmlformats.org/presentationml/2006/main">
+  <p:cSld>
+    <p:spTree>
+      <p:nvGrpSpPr>
+        <p:cNvPr id="1" name=""/>
+        <p:cNvGrpSpPr/>
+        <p:nvPr/>
+      </p:nvGrpSpPr>
+      <p:grpSpPr>
+        <a:xfrm>
+          <a:off x="0" y="0"/>
+          <a:ext cx="0" cy="0"/>
+          <a:chOff x="0" y="0"/>
+          <a:chExt cx="0" cy="0"/>
+        </a:xfrm>
+      </p:grpSpPr>
+      <p:sp>
+        <p:nvSpPr>
+          <p:cNvPr id="2" name="Title 1"/>
+          <p:cNvSpPr>
+            <a:spLocks noGrp="1"/>
+          </p:cNvSpPr>
+          <p:nvPr>
+            <p:ph type="title"/>
+          </p:nvPr>
+        </p:nvSpPr>
+        <p:spPr/>
+        <p:txBody>
+          <a:bodyPr/>
+          <a:lstStyle/>
+          <a:p>
+            <a:r>
+              <a:rPr lang="en-US" dirty="0" smtClean="0"/>
+              <a:t>Random Market</a:t>
+            </a:r>
+            <a:endParaRPr lang="en-US" dirty="0"/>
+          </a:p>
+        </p:txBody>
+      </p:sp>
+      <p:pic>
+        <p:nvPicPr>
+          <p:cNvPr id="4" name="Content Placeholder 3" descr="beta_zoomin2.png"/>
+          <p:cNvPicPr>
+            <a:picLocks noGrp="1" noChangeAspect="1"/>
+          </p:cNvPicPr>
+          <p:nvPr>
+            <p:ph idx="1"/>
+          </p:nvPr>
+        </p:nvPicPr>
+        <p:blipFill>
+          <a:blip r:embed="rId2">
+            <a:extLst>
+              <a:ext uri="{28A0092B-C50C-407E-A947-70E740481C1C}">
+                <a14:useLocalDpi xmlns:a14="http://schemas.microsoft.com/office/drawing/2010/main" val="0"/>
+              </a:ext>
+            </a:extLst>
+          </a:blip>
+          <a:srcRect l="4542" r="4542"/>
+          <a:stretch>
+            <a:fillRect/>
+          </a:stretch>
+        </p:blipFill>
+        <p:spPr/>
+      </p:pic>
+      <p:sp>
+        <p:nvSpPr>
+          <p:cNvPr id="5" name="TextBox 4"/>
+          <p:cNvSpPr txBox="1"/>
+          <p:nvPr/>
+        </p:nvSpPr>
+        <p:spPr>
+          <a:xfrm>
+            <a:off x="27663" y="2743744"/>
+            <a:ext cx="996862" cy="646331"/>
+          </a:xfrm>
+          <a:prstGeom prst="rect">
+            <a:avLst/>
+          </a:prstGeom>
+          <a:noFill/>
+        </p:spPr>
+        <p:txBody>
+          <a:bodyPr wrap="none" rtlCol="0">
+            <a:spAutoFit/>
+          </a:bodyPr>
+          <a:lstStyle/>
+          <a:p>
+            <a:r>
+              <a:rPr lang="en-US" dirty="0" smtClean="0"/>
+              <a:t>Portfolio</a:t>
+            </a:r>
+          </a:p>
+          <a:p>
+            <a:r>
+              <a:rPr lang="en-US" dirty="0" smtClean="0"/>
+              <a:t>Return</a:t>
+            </a:r>
+            <a:endParaRPr lang="en-US" dirty="0"/>
+          </a:p>
+        </p:txBody>
+      </p:sp>
+      <p:sp>
+        <p:nvSpPr>
+          <p:cNvPr id="6" name="TextBox 5"/>
+          <p:cNvSpPr txBox="1"/>
+          <p:nvPr/>
+        </p:nvSpPr>
+        <p:spPr>
+          <a:xfrm>
+            <a:off x="3858362" y="5756831"/>
+            <a:ext cx="1562898" cy="369332"/>
+          </a:xfrm>
+          <a:prstGeom prst="rect">
+            <a:avLst/>
+          </a:prstGeom>
+          <a:noFill/>
+        </p:spPr>
+        <p:txBody>
+          <a:bodyPr wrap="none" rtlCol="0">
+            <a:spAutoFit/>
+          </a:bodyPr>
+          <a:lstStyle/>
+          <a:p>
+            <a:r>
+              <a:rPr lang="en-US" dirty="0" smtClean="0"/>
+              <a:t>Market Return</a:t>
+            </a:r>
+            <a:endParaRPr lang="en-US" dirty="0"/>
+          </a:p>
+        </p:txBody>
+      </p:sp>
+    </p:spTree>
+    <p:extLst>
+      <p:ext uri="{BB962C8B-B14F-4D97-AF65-F5344CB8AC3E}">
+        <p14:creationId xmlns:p14="http://schemas.microsoft.com/office/powerpoint/2010/main" val="3021298500"/>
+      </p:ext>
+    </p:extLst>
+  </p:cSld>
+  <p:clrMapOvr>
+    <a:masterClrMapping/>
+  </p:clrMapOvr>
+</p:sld>
+</file>
+
+<file path=ppt/slides/slide12.xml><?xml version="1.0" encoding="utf-8"?>
+<p:sld xmlns:a="http://schemas.openxmlformats.org/drawingml/2006/main" xmlns:r="http://schemas.openxmlformats.org/officeDocument/2006/relationships" xmlns:p="http://schemas.openxmlformats.org/presentationml/2006/main">
+  <p:cSld>
+    <p:spTree>
+      <p:nvGrpSpPr>
+        <p:cNvPr id="1" name=""/>
+        <p:cNvGrpSpPr/>
+        <p:nvPr/>
+      </p:nvGrpSpPr>
+      <p:grpSpPr>
+        <a:xfrm>
+          <a:off x="0" y="0"/>
+          <a:ext cx="0" cy="0"/>
+          <a:chOff x="0" y="0"/>
+          <a:chExt cx="0" cy="0"/>
+        </a:xfrm>
+      </p:grpSpPr>
+      <p:sp>
+        <p:nvSpPr>
+          <p:cNvPr id="2" name="Title 1"/>
+          <p:cNvSpPr>
+            <a:spLocks noGrp="1"/>
+          </p:cNvSpPr>
+          <p:nvPr>
+            <p:ph type="title"/>
+          </p:nvPr>
+        </p:nvSpPr>
+        <p:spPr/>
+        <p:txBody>
+          <a:bodyPr/>
+          <a:lstStyle/>
+          <a:p>
+            <a:r>
+              <a:rPr lang="en-US" dirty="0" smtClean="0"/>
+              <a:t>Random Market</a:t>
+            </a:r>
+            <a:endParaRPr lang="en-US" dirty="0"/>
+          </a:p>
+        </p:txBody>
+      </p:sp>
+      <p:pic>
+        <p:nvPicPr>
+          <p:cNvPr id="4" name="Content Placeholder 3" descr="beta_hedged_return2.png"/>
+          <p:cNvPicPr>
+            <a:picLocks noGrp="1" noChangeAspect="1"/>
+          </p:cNvPicPr>
+          <p:nvPr>
+            <p:ph idx="1"/>
+          </p:nvPr>
+        </p:nvPicPr>
+        <p:blipFill>
+          <a:blip r:embed="rId2">
+            <a:extLst>
+              <a:ext uri="{28A0092B-C50C-407E-A947-70E740481C1C}">
+                <a14:useLocalDpi xmlns:a14="http://schemas.microsoft.com/office/drawing/2010/main" val="0"/>
+              </a:ext>
+            </a:extLst>
+          </a:blip>
+          <a:srcRect l="4542" r="4542"/>
+          <a:stretch>
+            <a:fillRect/>
+          </a:stretch>
+        </p:blipFill>
+        <p:spPr/>
+      </p:pic>
+      <p:sp>
+        <p:nvSpPr>
+          <p:cNvPr id="5" name="TextBox 4"/>
+          <p:cNvSpPr txBox="1"/>
+          <p:nvPr/>
+        </p:nvSpPr>
+        <p:spPr>
+          <a:xfrm>
+            <a:off x="306311" y="3604066"/>
+            <a:ext cx="825203" cy="369332"/>
+          </a:xfrm>
+          <a:prstGeom prst="rect">
+            <a:avLst/>
+          </a:prstGeom>
+          <a:noFill/>
+        </p:spPr>
+        <p:txBody>
+          <a:bodyPr wrap="none" rtlCol="0">
+            <a:spAutoFit/>
+          </a:bodyPr>
+          <a:lstStyle/>
+          <a:p>
+            <a:r>
+              <a:rPr lang="en-US" dirty="0" smtClean="0"/>
+              <a:t>Return</a:t>
+            </a:r>
+            <a:endParaRPr lang="en-US" dirty="0"/>
+          </a:p>
+        </p:txBody>
+      </p:sp>
+      <p:sp>
+        <p:nvSpPr>
+          <p:cNvPr id="6" name="TextBox 5"/>
+          <p:cNvSpPr txBox="1"/>
+          <p:nvPr/>
+        </p:nvSpPr>
+        <p:spPr>
+          <a:xfrm>
+            <a:off x="4383200" y="5708395"/>
+            <a:ext cx="629424" cy="369332"/>
+          </a:xfrm>
+          <a:prstGeom prst="rect">
+            <a:avLst/>
+          </a:prstGeom>
+          <a:noFill/>
+        </p:spPr>
+        <p:txBody>
+          <a:bodyPr wrap="none" rtlCol="0">
+            <a:spAutoFit/>
+          </a:bodyPr>
+          <a:lstStyle/>
+          <a:p>
+            <a:r>
+              <a:rPr lang="en-US" dirty="0" smtClean="0"/>
+              <a:t>Date</a:t>
+            </a:r>
+            <a:endParaRPr lang="en-US" dirty="0"/>
+          </a:p>
+        </p:txBody>
+      </p:sp>
+    </p:spTree>
+    <p:extLst>
+      <p:ext uri="{BB962C8B-B14F-4D97-AF65-F5344CB8AC3E}">
+        <p14:creationId xmlns:p14="http://schemas.microsoft.com/office/powerpoint/2010/main" val="212944404"/>
+      </p:ext>
+    </p:extLst>
+  </p:cSld>
+  <p:clrMapOvr>
+    <a:masterClrMapping/>
+  </p:clrMapOvr>
+</p:sld>
+</file>
+
+<file path=ppt/slides/slide13.xml><?xml version="1.0" encoding="utf-8"?>
+<p:sld xmlns:a="http://schemas.openxmlformats.org/drawingml/2006/main" xmlns:r="http://schemas.openxmlformats.org/officeDocument/2006/relationships" xmlns:p="http://schemas.openxmlformats.org/presentationml/2006/main">
+  <p:cSld>
+    <p:spTree>
+      <p:nvGrpSpPr>
+        <p:cNvPr id="1" name=""/>
+        <p:cNvGrpSpPr/>
+        <p:nvPr/>
+      </p:nvGrpSpPr>
+      <p:grpSpPr>
+        <a:xfrm>
+          <a:off x="0" y="0"/>
+          <a:ext cx="0" cy="0"/>
+          <a:chOff x="0" y="0"/>
+          <a:chExt cx="0" cy="0"/>
+        </a:xfrm>
+      </p:grpSpPr>
+      <p:sp>
+        <p:nvSpPr>
+          <p:cNvPr id="2" name="Title 1"/>
+          <p:cNvSpPr>
+            <a:spLocks noGrp="1"/>
+          </p:cNvSpPr>
+          <p:nvPr>
+            <p:ph type="title"/>
+          </p:nvPr>
+        </p:nvSpPr>
+        <p:spPr/>
+        <p:txBody>
+          <a:bodyPr/>
+          <a:lstStyle/>
+          <a:p>
+            <a:r>
+              <a:rPr lang="en-US" dirty="0" smtClean="0"/>
+              <a:t>Mean, SD</a:t>
+            </a:r>
+            <a:endParaRPr lang="en-US" dirty="0"/>
+          </a:p>
+        </p:txBody>
+      </p:sp>
+      <p:sp>
+        <p:nvSpPr>
+          <p:cNvPr id="3" name="Content Placeholder 2"/>
+          <p:cNvSpPr>
+            <a:spLocks noGrp="1"/>
+          </p:cNvSpPr>
+          <p:nvPr>
+            <p:ph idx="1"/>
+          </p:nvPr>
+        </p:nvSpPr>
+        <p:spPr/>
+        <p:txBody>
+          <a:bodyPr>
+            <a:normAutofit/>
+          </a:bodyPr>
+          <a:lstStyle/>
+          <a:p>
+            <a:r>
+              <a:rPr lang="en-US" dirty="0" err="1" smtClean="0"/>
+              <a:t>Unhedged</a:t>
+            </a:r>
+            <a:r>
+              <a:rPr lang="en-US" dirty="0" smtClean="0"/>
+              <a:t> return:</a:t>
+            </a:r>
+            <a:r>
+              <a:rPr lang="en-US" dirty="0"/>
+              <a:t/>
+            </a:r>
+            <a:br>
+              <a:rPr lang="en-US" dirty="0"/>
+            </a:br>
+            <a:r>
+              <a:rPr lang="en-US" dirty="0"/>
+              <a:t>Mean: </a:t>
+            </a:r>
+            <a:r>
+              <a:rPr lang="en-US" dirty="0" smtClean="0"/>
+              <a:t>0.00059</a:t>
+            </a:r>
+            <a:r>
+              <a:rPr lang="en-US" dirty="0"/>
+              <a:t/>
+            </a:r>
+            <a:br>
+              <a:rPr lang="en-US" dirty="0"/>
+            </a:br>
+            <a:r>
+              <a:rPr lang="en-US" dirty="0"/>
+              <a:t>Absolute mean: 0.0112</a:t>
+            </a:r>
+            <a:br>
+              <a:rPr lang="en-US" dirty="0"/>
+            </a:br>
+            <a:r>
+              <a:rPr lang="en-US" dirty="0"/>
+              <a:t>SD: </a:t>
+            </a:r>
+            <a:r>
+              <a:rPr lang="en-US" dirty="0" smtClean="0"/>
+              <a:t>0.0164</a:t>
+            </a:r>
+          </a:p>
+          <a:p>
+            <a:r>
+              <a:rPr lang="en-US" dirty="0" smtClean="0"/>
+              <a:t>Hedged return:</a:t>
+            </a:r>
+            <a:br>
+              <a:rPr lang="en-US" dirty="0" smtClean="0"/>
+            </a:br>
+            <a:r>
+              <a:rPr lang="en-US" dirty="0"/>
+              <a:t>Mean: </a:t>
+            </a:r>
+            <a:r>
+              <a:rPr lang="en-US" dirty="0" smtClean="0"/>
+              <a:t>0.00032</a:t>
+            </a:r>
+            <a:r>
+              <a:rPr lang="en-US" dirty="0"/>
+              <a:t/>
+            </a:r>
+            <a:br>
+              <a:rPr lang="en-US" dirty="0"/>
+            </a:br>
+            <a:r>
+              <a:rPr lang="en-US" dirty="0"/>
+              <a:t>Absolute mean: </a:t>
+            </a:r>
+            <a:r>
+              <a:rPr lang="en-US" dirty="0" smtClean="0"/>
+              <a:t>0.00575</a:t>
+            </a:r>
+            <a:r>
+              <a:rPr lang="en-US" dirty="0"/>
+              <a:t/>
+            </a:r>
+            <a:br>
+              <a:rPr lang="en-US" dirty="0"/>
+            </a:br>
+            <a:r>
+              <a:rPr lang="en-US" dirty="0"/>
+              <a:t>SD: </a:t>
+            </a:r>
+            <a:r>
+              <a:rPr lang="en-US" dirty="0" smtClean="0"/>
+              <a:t>0.0080</a:t>
+            </a:r>
+          </a:p>
+        </p:txBody>
+      </p:sp>
+    </p:spTree>
+    <p:extLst>
+      <p:ext uri="{BB962C8B-B14F-4D97-AF65-F5344CB8AC3E}">
+        <p14:creationId xmlns:p14="http://schemas.microsoft.com/office/powerpoint/2010/main" val="3479175911"/>
+      </p:ext>
+    </p:extLst>
+  </p:cSld>
+  <p:clrMapOvr>
+    <a:masterClrMapping/>
+  </p:clrMapOvr>
+</p:sld>
+</file>
+
 <file path=ppt/slides/slide2.xml><?xml version="1.0" encoding="utf-8"?>
 <p:sld xmlns:a="http://schemas.openxmlformats.org/drawingml/2006/main" xmlns:r="http://schemas.openxmlformats.org/officeDocument/2006/relationships" xmlns:p="http://schemas.openxmlformats.org/presentationml/2006/main">
   <p:cSld>
@@ -3826,6 +4355,13 @@
   <p:clrMapOvr>
     <a:masterClrMapping/>
   </p:clrMapOvr>
+  <p:timing>
+    <p:tnLst>
+      <p:par>
+        <p:cTn xmlns:p14="http://schemas.microsoft.com/office/powerpoint/2010/main" id="1" dur="indefinite" restart="never" nodeType="tmRoot"/>
+      </p:par>
+    </p:tnLst>
+  </p:timing>
 </p:sld>
 </file>
 
@@ -3922,6 +4458,72 @@
           </a:prstGeom>
         </p:spPr>
       </p:pic>
+      <p:sp>
+        <p:nvSpPr>
+          <p:cNvPr id="4" name="TextBox 3"/>
+          <p:cNvSpPr txBox="1"/>
+          <p:nvPr/>
+        </p:nvSpPr>
+        <p:spPr>
+          <a:xfrm>
+            <a:off x="269667" y="4524799"/>
+            <a:ext cx="996862" cy="646331"/>
+          </a:xfrm>
+          <a:prstGeom prst="rect">
+            <a:avLst/>
+          </a:prstGeom>
+          <a:noFill/>
+        </p:spPr>
+        <p:txBody>
+          <a:bodyPr wrap="none" rtlCol="0">
+            <a:spAutoFit/>
+          </a:bodyPr>
+          <a:lstStyle/>
+          <a:p>
+            <a:r>
+              <a:rPr lang="en-US" dirty="0" smtClean="0"/>
+              <a:t>Portfolio</a:t>
+            </a:r>
+          </a:p>
+          <a:p>
+            <a:r>
+              <a:rPr lang="en-US" dirty="0" smtClean="0"/>
+              <a:t>Return</a:t>
+            </a:r>
+            <a:endParaRPr lang="en-US" dirty="0"/>
+          </a:p>
+        </p:txBody>
+      </p:sp>
+      <p:sp>
+        <p:nvSpPr>
+          <p:cNvPr id="6" name="TextBox 5"/>
+          <p:cNvSpPr txBox="1"/>
+          <p:nvPr/>
+        </p:nvSpPr>
+        <p:spPr>
+          <a:xfrm>
+            <a:off x="3858362" y="6488668"/>
+            <a:ext cx="1562898" cy="369332"/>
+          </a:xfrm>
+          <a:prstGeom prst="rect">
+            <a:avLst/>
+          </a:prstGeom>
+          <a:noFill/>
+        </p:spPr>
+        <p:txBody>
+          <a:bodyPr wrap="none" rtlCol="0">
+            <a:spAutoFit/>
+          </a:bodyPr>
+          <a:lstStyle/>
+          <a:p>
+            <a:r>
+              <a:rPr lang="en-US" dirty="0" smtClean="0"/>
+              <a:t>Market Return</a:t>
+            </a:r>
+            <a:endParaRPr lang="en-US" dirty="0"/>
+          </a:p>
+        </p:txBody>
+      </p:sp>
     </p:spTree>
     <p:extLst>
       <p:ext uri="{BB962C8B-B14F-4D97-AF65-F5344CB8AC3E}">
@@ -3932,6 +4534,13 @@
   <p:clrMapOvr>
     <a:masterClrMapping/>
   </p:clrMapOvr>
+  <p:timing>
+    <p:tnLst>
+      <p:par>
+        <p:cTn xmlns:p14="http://schemas.microsoft.com/office/powerpoint/2010/main" id="1" dur="indefinite" restart="never" nodeType="tmRoot"/>
+      </p:par>
+    </p:tnLst>
+  </p:timing>
 </p:sld>
 </file>
 
@@ -4028,6 +4637,72 @@
           </a:prstGeom>
         </p:spPr>
       </p:pic>
+      <p:sp>
+        <p:nvSpPr>
+          <p:cNvPr id="5" name="TextBox 4"/>
+          <p:cNvSpPr txBox="1"/>
+          <p:nvPr/>
+        </p:nvSpPr>
+        <p:spPr>
+          <a:xfrm>
+            <a:off x="27663" y="3236298"/>
+            <a:ext cx="996862" cy="646331"/>
+          </a:xfrm>
+          <a:prstGeom prst="rect">
+            <a:avLst/>
+          </a:prstGeom>
+          <a:noFill/>
+        </p:spPr>
+        <p:txBody>
+          <a:bodyPr wrap="none" rtlCol="0">
+            <a:spAutoFit/>
+          </a:bodyPr>
+          <a:lstStyle/>
+          <a:p>
+            <a:r>
+              <a:rPr lang="en-US" dirty="0" smtClean="0"/>
+              <a:t>Portfolio</a:t>
+            </a:r>
+          </a:p>
+          <a:p>
+            <a:r>
+              <a:rPr lang="en-US" dirty="0" smtClean="0"/>
+              <a:t>Return</a:t>
+            </a:r>
+            <a:endParaRPr lang="en-US" dirty="0"/>
+          </a:p>
+        </p:txBody>
+      </p:sp>
+      <p:sp>
+        <p:nvSpPr>
+          <p:cNvPr id="6" name="TextBox 5"/>
+          <p:cNvSpPr txBox="1"/>
+          <p:nvPr/>
+        </p:nvSpPr>
+        <p:spPr>
+          <a:xfrm>
+            <a:off x="3858362" y="6249385"/>
+            <a:ext cx="1562898" cy="369332"/>
+          </a:xfrm>
+          <a:prstGeom prst="rect">
+            <a:avLst/>
+          </a:prstGeom>
+          <a:noFill/>
+        </p:spPr>
+        <p:txBody>
+          <a:bodyPr wrap="none" rtlCol="0">
+            <a:spAutoFit/>
+          </a:bodyPr>
+          <a:lstStyle/>
+          <a:p>
+            <a:r>
+              <a:rPr lang="en-US" dirty="0" smtClean="0"/>
+              <a:t>Market Return</a:t>
+            </a:r>
+            <a:endParaRPr lang="en-US" dirty="0"/>
+          </a:p>
+        </p:txBody>
+      </p:sp>
     </p:spTree>
     <p:extLst>
       <p:ext uri="{BB962C8B-B14F-4D97-AF65-F5344CB8AC3E}">
@@ -4038,6 +4713,13 @@
   <p:clrMapOvr>
     <a:masterClrMapping/>
   </p:clrMapOvr>
+  <p:timing>
+    <p:tnLst>
+      <p:par>
+        <p:cTn xmlns:p14="http://schemas.microsoft.com/office/powerpoint/2010/main" id="1" dur="indefinite" restart="never" nodeType="tmRoot"/>
+      </p:par>
+    </p:tnLst>
+  </p:timing>
 </p:sld>
 </file>
 
@@ -4134,6 +4816,66 @@
           </a:prstGeom>
         </p:spPr>
       </p:pic>
+      <p:sp>
+        <p:nvSpPr>
+          <p:cNvPr id="5" name="TextBox 4"/>
+          <p:cNvSpPr txBox="1"/>
+          <p:nvPr/>
+        </p:nvSpPr>
+        <p:spPr>
+          <a:xfrm>
+            <a:off x="399691" y="4089590"/>
+            <a:ext cx="825203" cy="369332"/>
+          </a:xfrm>
+          <a:prstGeom prst="rect">
+            <a:avLst/>
+          </a:prstGeom>
+          <a:noFill/>
+        </p:spPr>
+        <p:txBody>
+          <a:bodyPr wrap="none" rtlCol="0">
+            <a:spAutoFit/>
+          </a:bodyPr>
+          <a:lstStyle/>
+          <a:p>
+            <a:r>
+              <a:rPr lang="en-US" dirty="0" smtClean="0"/>
+              <a:t>Return</a:t>
+            </a:r>
+            <a:endParaRPr lang="en-US" dirty="0"/>
+          </a:p>
+        </p:txBody>
+      </p:sp>
+      <p:sp>
+        <p:nvSpPr>
+          <p:cNvPr id="6" name="TextBox 5"/>
+          <p:cNvSpPr txBox="1"/>
+          <p:nvPr/>
+        </p:nvSpPr>
+        <p:spPr>
+          <a:xfrm>
+            <a:off x="4476580" y="6193919"/>
+            <a:ext cx="629424" cy="369332"/>
+          </a:xfrm>
+          <a:prstGeom prst="rect">
+            <a:avLst/>
+          </a:prstGeom>
+          <a:noFill/>
+        </p:spPr>
+        <p:txBody>
+          <a:bodyPr wrap="none" rtlCol="0">
+            <a:spAutoFit/>
+          </a:bodyPr>
+          <a:lstStyle/>
+          <a:p>
+            <a:r>
+              <a:rPr lang="en-US" dirty="0" smtClean="0"/>
+              <a:t>Date</a:t>
+            </a:r>
+            <a:endParaRPr lang="en-US" dirty="0"/>
+          </a:p>
+        </p:txBody>
+      </p:sp>
     </p:spTree>
     <p:extLst>
       <p:ext uri="{BB962C8B-B14F-4D97-AF65-F5344CB8AC3E}">
@@ -4144,6 +4886,13 @@
   <p:clrMapOvr>
     <a:masterClrMapping/>
   </p:clrMapOvr>
+  <p:timing>
+    <p:tnLst>
+      <p:par>
+        <p:cTn xmlns:p14="http://schemas.microsoft.com/office/powerpoint/2010/main" id="1" dur="indefinite" restart="never" nodeType="tmRoot"/>
+      </p:par>
+    </p:tnLst>
+  </p:timing>
 </p:sld>
 </file>
 
